--- a/파이썬_강좌/4. 파이썬기초 산술연산자 _ 논리연산자.pptx
+++ b/파이썬_강좌/4. 파이썬기초 산술연산자 _ 논리연산자.pptx
@@ -15,7 +15,7 @@
     <p:sldId id="260" r:id="rId6"/>
     <p:sldId id="261" r:id="rId7"/>
   </p:sldIdLst>
-  <p:sldSz cx="9144000" cy="6858000" type="screen4x3"/>
+  <p:sldSz cx="12192000" cy="6858000"/>
   <p:notesSz cx="6858000" cy="9144000"/>
   <p:defaultTextStyle>
     <a:defPPr marR="0" lvl="0" algn="l" rtl="0">
@@ -249,12 +249,12 @@
   <p:extLst>
     <p:ext uri="{EFAFB233-063F-42B5-8137-9DF3F51BA10A}">
       <p15:sldGuideLst xmlns:p15="http://schemas.microsoft.com/office/powerpoint/2012/main">
-        <p15:guide id="1" orient="horz" pos="2160">
+        <p15:guide id="1" orient="horz" pos="2160" userDrawn="1">
           <p15:clr>
             <a:srgbClr val="A4A3A4"/>
           </p15:clr>
         </p15:guide>
-        <p15:guide id="2" pos="2880">
+        <p15:guide id="2" pos="3840" userDrawn="1">
           <p15:clr>
             <a:srgbClr val="A4A3A4"/>
           </p15:clr>
@@ -262,7 +262,7 @@
       </p15:sldGuideLst>
     </p:ext>
     <p:ext uri="http://customooxmlschemas.google.com/">
-      <go:slidesCustomData xmlns:go="http://customooxmlschemas.google.com/" xmlns:ahyp="http://schemas.microsoft.com/office/drawing/2018/hyperlinkcolor" xmlns:p15="http://schemas.microsoft.com/office/powerpoint/2012/main" xmlns:p14="http://schemas.microsoft.com/office/powerpoint/2010/main" xmlns:com="http://schemas.openxmlformats.org/drawingml/2006/compatibility" xmlns:pvml="urn:schemas-microsoft-com:office:powerpoint" xmlns:v="urn:schemas-microsoft-com:vml" xmlns:o="urn:schemas-microsoft-com:office:office" xmlns:dgm="http://schemas.openxmlformats.org/drawingml/2006/diagram" xmlns:c="http://schemas.openxmlformats.org/drawingml/2006/chart" xmlns:mv="urn:schemas-microsoft-com:mac:vml" xmlns:mc="http://schemas.openxmlformats.org/markup-compatibility/2006" xmlns="" r:id="rId12" roundtripDataSignature="AMtx7mgpbVMYreUO0sJMHVN9VdVBHgJZFw=="/>
+      <go:slidesCustomData xmlns="" xmlns:mc="http://schemas.openxmlformats.org/markup-compatibility/2006" xmlns:mv="urn:schemas-microsoft-com:mac:vml" xmlns:c="http://schemas.openxmlformats.org/drawingml/2006/chart" xmlns:dgm="http://schemas.openxmlformats.org/drawingml/2006/diagram" xmlns:o="urn:schemas-microsoft-com:office:office" xmlns:v="urn:schemas-microsoft-com:vml" xmlns:pvml="urn:schemas-microsoft-com:office:powerpoint" xmlns:com="http://schemas.openxmlformats.org/drawingml/2006/compatibility" xmlns:p14="http://schemas.microsoft.com/office/powerpoint/2010/main" xmlns:p15="http://schemas.microsoft.com/office/powerpoint/2012/main" xmlns:ahyp="http://schemas.microsoft.com/office/drawing/2018/hyperlinkcolor" xmlns:go="http://customooxmlschemas.google.com/" r:id="rId12" roundtripDataSignature="AMtx7mgpbVMYreUO0sJMHVN9VdVBHgJZFw=="/>
     </p:ext>
   </p:extLst>
 </p:presentation>
@@ -302,8 +302,8 @@
         </p:nvSpPr>
         <p:spPr>
           <a:xfrm>
-            <a:off x="1143309" y="685800"/>
-            <a:ext cx="4572000" cy="3429000"/>
+            <a:off x="381000" y="685800"/>
+            <a:ext cx="6096000" cy="3429000"/>
           </a:xfrm>
           <a:custGeom>
             <a:avLst/>
@@ -873,8 +873,8 @@
         </p:nvSpPr>
         <p:spPr>
           <a:xfrm>
-            <a:off x="1143309" y="685800"/>
-            <a:ext cx="4572000" cy="3429000"/>
+            <a:off x="381000" y="685800"/>
+            <a:ext cx="6096000" cy="3429000"/>
           </a:xfrm>
           <a:custGeom>
             <a:avLst/>
@@ -995,8 +995,8 @@
         </p:nvSpPr>
         <p:spPr>
           <a:xfrm>
-            <a:off x="1143309" y="685800"/>
-            <a:ext cx="4572000" cy="3429000"/>
+            <a:off x="381000" y="685800"/>
+            <a:ext cx="6096000" cy="3429000"/>
           </a:xfrm>
           <a:custGeom>
             <a:avLst/>
@@ -1117,8 +1117,8 @@
         </p:nvSpPr>
         <p:spPr>
           <a:xfrm>
-            <a:off x="1143309" y="685800"/>
-            <a:ext cx="4572000" cy="3429000"/>
+            <a:off x="381000" y="685800"/>
+            <a:ext cx="6096000" cy="3429000"/>
           </a:xfrm>
           <a:custGeom>
             <a:avLst/>
@@ -1239,8 +1239,8 @@
         </p:nvSpPr>
         <p:spPr>
           <a:xfrm>
-            <a:off x="1143309" y="685800"/>
-            <a:ext cx="4572000" cy="3429000"/>
+            <a:off x="381000" y="685800"/>
+            <a:ext cx="6096000" cy="3429000"/>
           </a:xfrm>
           <a:custGeom>
             <a:avLst/>
@@ -1361,8 +1361,8 @@
         </p:nvSpPr>
         <p:spPr>
           <a:xfrm>
-            <a:off x="1143000" y="685800"/>
-            <a:ext cx="4572000" cy="3429000"/>
+            <a:off x="381000" y="685800"/>
+            <a:ext cx="6096000" cy="3429000"/>
           </a:xfrm>
           <a:custGeom>
             <a:avLst/>
@@ -1483,8 +1483,8 @@
         </p:nvSpPr>
         <p:spPr>
           <a:xfrm>
-            <a:off x="1143309" y="685800"/>
-            <a:ext cx="4572000" cy="3429000"/>
+            <a:off x="381000" y="685800"/>
+            <a:ext cx="6096000" cy="3429000"/>
           </a:xfrm>
           <a:custGeom>
             <a:avLst/>
@@ -1605,8 +1605,8 @@
         </p:nvSpPr>
         <p:spPr>
           <a:xfrm>
-            <a:off x="311708" y="992767"/>
-            <a:ext cx="8520600" cy="2736900"/>
+            <a:off x="415611" y="992767"/>
+            <a:ext cx="11360800" cy="2736900"/>
           </a:xfrm>
           <a:prstGeom prst="rect">
             <a:avLst/>
@@ -1765,8 +1765,8 @@
         </p:nvSpPr>
         <p:spPr>
           <a:xfrm>
-            <a:off x="311700" y="3778833"/>
-            <a:ext cx="8520600" cy="1056900"/>
+            <a:off x="415600" y="3778833"/>
+            <a:ext cx="11360800" cy="1056900"/>
           </a:xfrm>
           <a:prstGeom prst="rect">
             <a:avLst/>
@@ -1925,8 +1925,8 @@
         </p:nvSpPr>
         <p:spPr>
           <a:xfrm>
-            <a:off x="8472458" y="6217622"/>
-            <a:ext cx="548700" cy="524700"/>
+            <a:off x="11296611" y="6217622"/>
+            <a:ext cx="731600" cy="524700"/>
           </a:xfrm>
           <a:prstGeom prst="rect">
             <a:avLst/>
@@ -2177,23 +2177,45 @@
             </a:lvl9pPr>
           </a:lstStyle>
           <a:p>
-            <a:pPr marL="0" lvl="0" indent="0" algn="r" rtl="0">
-              <a:spcBef>
-                <a:spcPts val="0"/>
-              </a:spcBef>
-              <a:spcAft>
-                <a:spcPts val="0"/>
-              </a:spcAft>
-              <a:buNone/>
-            </a:pPr>
             <a:fld id="{00000000-1234-1234-1234-123412341234}" type="slidenum">
-              <a:rPr lang="en"/>
+              <a:rPr lang="en" smtClean="0"/>
+              <a:pPr/>
               <a:t>‹#›</a:t>
             </a:fld>
-            <a:endParaRPr/>
+            <a:endParaRPr lang="en"/>
           </a:p>
         </p:txBody>
       </p:sp>
+      <p:pic>
+        <p:nvPicPr>
+          <p:cNvPr id="5" name="그림 4">
+            <a:extLst>
+              <a:ext uri="{FF2B5EF4-FFF2-40B4-BE49-F238E27FC236}">
+                <a16:creationId xmlns:a16="http://schemas.microsoft.com/office/drawing/2014/main" id="{248BA136-6A28-E60B-0937-0BF2E0031471}"/>
+              </a:ext>
+            </a:extLst>
+          </p:cNvPr>
+          <p:cNvPicPr>
+            <a:picLocks noChangeAspect="1"/>
+          </p:cNvPicPr>
+          <p:nvPr userDrawn="1"/>
+        </p:nvPicPr>
+        <p:blipFill>
+          <a:blip r:embed="rId2"/>
+          <a:stretch>
+            <a:fillRect/>
+          </a:stretch>
+        </p:blipFill>
+        <p:spPr>
+          <a:xfrm>
+            <a:off x="4772910" y="4688868"/>
+            <a:ext cx="2646180" cy="1046769"/>
+          </a:xfrm>
+          <a:prstGeom prst="rect">
+            <a:avLst/>
+          </a:prstGeom>
+        </p:spPr>
+      </p:pic>
     </p:spTree>
   </p:cSld>
   <p:clrMapOvr>
@@ -2231,8 +2253,8 @@
         </p:nvSpPr>
         <p:spPr>
           <a:xfrm>
-            <a:off x="311700" y="1474833"/>
-            <a:ext cx="8520600" cy="2618100"/>
+            <a:off x="415600" y="1474833"/>
+            <a:ext cx="11360800" cy="2618100"/>
           </a:xfrm>
           <a:prstGeom prst="rect">
             <a:avLst/>
@@ -2393,8 +2415,8 @@
         </p:nvSpPr>
         <p:spPr>
           <a:xfrm>
-            <a:off x="311700" y="4202967"/>
-            <a:ext cx="8520600" cy="1734300"/>
+            <a:off x="415600" y="4202967"/>
+            <a:ext cx="11360800" cy="1734300"/>
           </a:xfrm>
           <a:prstGeom prst="rect">
             <a:avLst/>
@@ -2553,8 +2575,8 @@
         </p:nvSpPr>
         <p:spPr>
           <a:xfrm>
-            <a:off x="8472458" y="6217622"/>
-            <a:ext cx="548700" cy="524700"/>
+            <a:off x="11296611" y="6217622"/>
+            <a:ext cx="731600" cy="524700"/>
           </a:xfrm>
           <a:prstGeom prst="rect">
             <a:avLst/>
@@ -2805,20 +2827,12 @@
             </a:lvl9pPr>
           </a:lstStyle>
           <a:p>
-            <a:pPr marL="0" lvl="0" indent="0" algn="r" rtl="0">
-              <a:spcBef>
-                <a:spcPts val="0"/>
-              </a:spcBef>
-              <a:spcAft>
-                <a:spcPts val="0"/>
-              </a:spcAft>
-              <a:buNone/>
-            </a:pPr>
             <a:fld id="{00000000-1234-1234-1234-123412341234}" type="slidenum">
-              <a:rPr lang="en"/>
+              <a:rPr lang="en" smtClean="0"/>
+              <a:pPr/>
               <a:t>‹#›</a:t>
             </a:fld>
-            <a:endParaRPr/>
+            <a:endParaRPr lang="en"/>
           </a:p>
         </p:txBody>
       </p:sp>
@@ -2859,8 +2873,8 @@
         </p:nvSpPr>
         <p:spPr>
           <a:xfrm>
-            <a:off x="8472458" y="6217622"/>
-            <a:ext cx="548700" cy="524700"/>
+            <a:off x="11296611" y="6217622"/>
+            <a:ext cx="731600" cy="524700"/>
           </a:xfrm>
           <a:prstGeom prst="rect">
             <a:avLst/>
@@ -3111,20 +3125,12 @@
             </a:lvl9pPr>
           </a:lstStyle>
           <a:p>
-            <a:pPr marL="0" lvl="0" indent="0" algn="r" rtl="0">
-              <a:spcBef>
-                <a:spcPts val="0"/>
-              </a:spcBef>
-              <a:spcAft>
-                <a:spcPts val="0"/>
-              </a:spcAft>
-              <a:buNone/>
-            </a:pPr>
             <a:fld id="{00000000-1234-1234-1234-123412341234}" type="slidenum">
-              <a:rPr lang="en"/>
+              <a:rPr lang="en" smtClean="0"/>
+              <a:pPr/>
               <a:t>‹#›</a:t>
             </a:fld>
-            <a:endParaRPr/>
+            <a:endParaRPr lang="en"/>
           </a:p>
         </p:txBody>
       </p:sp>
@@ -3165,8 +3171,8 @@
         </p:nvSpPr>
         <p:spPr>
           <a:xfrm>
-            <a:off x="311700" y="593367"/>
-            <a:ext cx="8520600" cy="763500"/>
+            <a:off x="415600" y="593367"/>
+            <a:ext cx="11360800" cy="763500"/>
           </a:xfrm>
           <a:prstGeom prst="rect">
             <a:avLst/>
@@ -3325,8 +3331,8 @@
         </p:nvSpPr>
         <p:spPr>
           <a:xfrm>
-            <a:off x="311700" y="1536633"/>
-            <a:ext cx="8520600" cy="4555200"/>
+            <a:off x="415600" y="1536633"/>
+            <a:ext cx="11360800" cy="4555200"/>
           </a:xfrm>
           <a:prstGeom prst="rect">
             <a:avLst/>
@@ -3485,8 +3491,8 @@
         </p:nvSpPr>
         <p:spPr>
           <a:xfrm>
-            <a:off x="8472458" y="6217622"/>
-            <a:ext cx="548700" cy="524700"/>
+            <a:off x="11296611" y="6217622"/>
+            <a:ext cx="731600" cy="524700"/>
           </a:xfrm>
           <a:prstGeom prst="rect">
             <a:avLst/>
@@ -3737,20 +3743,12 @@
             </a:lvl9pPr>
           </a:lstStyle>
           <a:p>
-            <a:pPr marL="0" lvl="0" indent="0" algn="r" rtl="0">
-              <a:spcBef>
-                <a:spcPts val="0"/>
-              </a:spcBef>
-              <a:spcAft>
-                <a:spcPts val="0"/>
-              </a:spcAft>
-              <a:buNone/>
-            </a:pPr>
             <a:fld id="{00000000-1234-1234-1234-123412341234}" type="slidenum">
-              <a:rPr lang="en"/>
+              <a:rPr lang="en" smtClean="0"/>
+              <a:pPr/>
               <a:t>‹#›</a:t>
             </a:fld>
-            <a:endParaRPr/>
+            <a:endParaRPr lang="en"/>
           </a:p>
         </p:txBody>
       </p:sp>
@@ -3791,8 +3789,8 @@
         </p:nvSpPr>
         <p:spPr>
           <a:xfrm>
-            <a:off x="311700" y="2867800"/>
-            <a:ext cx="8520600" cy="1122300"/>
+            <a:off x="415600" y="2867800"/>
+            <a:ext cx="11360800" cy="1122300"/>
           </a:xfrm>
           <a:prstGeom prst="rect">
             <a:avLst/>
@@ -3951,8 +3949,8 @@
         </p:nvSpPr>
         <p:spPr>
           <a:xfrm>
-            <a:off x="8472458" y="6217622"/>
-            <a:ext cx="548700" cy="524700"/>
+            <a:off x="11296611" y="6217622"/>
+            <a:ext cx="731600" cy="524700"/>
           </a:xfrm>
           <a:prstGeom prst="rect">
             <a:avLst/>
@@ -4203,20 +4201,12 @@
             </a:lvl9pPr>
           </a:lstStyle>
           <a:p>
-            <a:pPr marL="0" lvl="0" indent="0" algn="r" rtl="0">
-              <a:spcBef>
-                <a:spcPts val="0"/>
-              </a:spcBef>
-              <a:spcAft>
-                <a:spcPts val="0"/>
-              </a:spcAft>
-              <a:buNone/>
-            </a:pPr>
             <a:fld id="{00000000-1234-1234-1234-123412341234}" type="slidenum">
-              <a:rPr lang="en"/>
+              <a:rPr lang="en" smtClean="0"/>
+              <a:pPr/>
               <a:t>‹#›</a:t>
             </a:fld>
-            <a:endParaRPr/>
+            <a:endParaRPr lang="en"/>
           </a:p>
         </p:txBody>
       </p:sp>
@@ -4257,8 +4247,8 @@
         </p:nvSpPr>
         <p:spPr>
           <a:xfrm>
-            <a:off x="311700" y="593367"/>
-            <a:ext cx="8520600" cy="763500"/>
+            <a:off x="415600" y="593367"/>
+            <a:ext cx="11360800" cy="763500"/>
           </a:xfrm>
           <a:prstGeom prst="rect">
             <a:avLst/>
@@ -4417,8 +4407,8 @@
         </p:nvSpPr>
         <p:spPr>
           <a:xfrm>
-            <a:off x="311700" y="1536633"/>
-            <a:ext cx="3999900" cy="4555200"/>
+            <a:off x="415600" y="1536633"/>
+            <a:ext cx="5333200" cy="4555200"/>
           </a:xfrm>
           <a:prstGeom prst="rect">
             <a:avLst/>
@@ -4577,8 +4567,8 @@
         </p:nvSpPr>
         <p:spPr>
           <a:xfrm>
-            <a:off x="4832400" y="1536633"/>
-            <a:ext cx="3999900" cy="4555200"/>
+            <a:off x="6443200" y="1536633"/>
+            <a:ext cx="5333200" cy="4555200"/>
           </a:xfrm>
           <a:prstGeom prst="rect">
             <a:avLst/>
@@ -4737,8 +4727,8 @@
         </p:nvSpPr>
         <p:spPr>
           <a:xfrm>
-            <a:off x="8472458" y="6217622"/>
-            <a:ext cx="548700" cy="524700"/>
+            <a:off x="11296611" y="6217622"/>
+            <a:ext cx="731600" cy="524700"/>
           </a:xfrm>
           <a:prstGeom prst="rect">
             <a:avLst/>
@@ -4989,20 +4979,12 @@
             </a:lvl9pPr>
           </a:lstStyle>
           <a:p>
-            <a:pPr marL="0" lvl="0" indent="0" algn="r" rtl="0">
-              <a:spcBef>
-                <a:spcPts val="0"/>
-              </a:spcBef>
-              <a:spcAft>
-                <a:spcPts val="0"/>
-              </a:spcAft>
-              <a:buNone/>
-            </a:pPr>
             <a:fld id="{00000000-1234-1234-1234-123412341234}" type="slidenum">
-              <a:rPr lang="en"/>
+              <a:rPr lang="en" smtClean="0"/>
+              <a:pPr/>
               <a:t>‹#›</a:t>
             </a:fld>
-            <a:endParaRPr/>
+            <a:endParaRPr lang="en"/>
           </a:p>
         </p:txBody>
       </p:sp>
@@ -5043,8 +5025,8 @@
         </p:nvSpPr>
         <p:spPr>
           <a:xfrm>
-            <a:off x="311700" y="593367"/>
-            <a:ext cx="8520600" cy="763500"/>
+            <a:off x="415600" y="593367"/>
+            <a:ext cx="11360800" cy="763500"/>
           </a:xfrm>
           <a:prstGeom prst="rect">
             <a:avLst/>
@@ -5203,8 +5185,8 @@
         </p:nvSpPr>
         <p:spPr>
           <a:xfrm>
-            <a:off x="8472458" y="6217622"/>
-            <a:ext cx="548700" cy="524700"/>
+            <a:off x="11296611" y="6217622"/>
+            <a:ext cx="731600" cy="524700"/>
           </a:xfrm>
           <a:prstGeom prst="rect">
             <a:avLst/>
@@ -5455,20 +5437,12 @@
             </a:lvl9pPr>
           </a:lstStyle>
           <a:p>
-            <a:pPr marL="0" lvl="0" indent="0" algn="r" rtl="0">
-              <a:spcBef>
-                <a:spcPts val="0"/>
-              </a:spcBef>
-              <a:spcAft>
-                <a:spcPts val="0"/>
-              </a:spcAft>
-              <a:buNone/>
-            </a:pPr>
             <a:fld id="{00000000-1234-1234-1234-123412341234}" type="slidenum">
-              <a:rPr lang="en"/>
+              <a:rPr lang="en" smtClean="0"/>
+              <a:pPr/>
               <a:t>‹#›</a:t>
             </a:fld>
-            <a:endParaRPr/>
+            <a:endParaRPr lang="en"/>
           </a:p>
         </p:txBody>
       </p:sp>
@@ -5509,8 +5483,8 @@
         </p:nvSpPr>
         <p:spPr>
           <a:xfrm>
-            <a:off x="311700" y="740800"/>
-            <a:ext cx="2808000" cy="1007700"/>
+            <a:off x="415600" y="740800"/>
+            <a:ext cx="3744000" cy="1007700"/>
           </a:xfrm>
           <a:prstGeom prst="rect">
             <a:avLst/>
@@ -5669,8 +5643,8 @@
         </p:nvSpPr>
         <p:spPr>
           <a:xfrm>
-            <a:off x="311700" y="1852800"/>
-            <a:ext cx="2808000" cy="4239300"/>
+            <a:off x="415600" y="1852800"/>
+            <a:ext cx="3744000" cy="4239300"/>
           </a:xfrm>
           <a:prstGeom prst="rect">
             <a:avLst/>
@@ -5829,8 +5803,8 @@
         </p:nvSpPr>
         <p:spPr>
           <a:xfrm>
-            <a:off x="8472458" y="6217622"/>
-            <a:ext cx="548700" cy="524700"/>
+            <a:off x="11296611" y="6217622"/>
+            <a:ext cx="731600" cy="524700"/>
           </a:xfrm>
           <a:prstGeom prst="rect">
             <a:avLst/>
@@ -6081,20 +6055,12 @@
             </a:lvl9pPr>
           </a:lstStyle>
           <a:p>
-            <a:pPr marL="0" lvl="0" indent="0" algn="r" rtl="0">
-              <a:spcBef>
-                <a:spcPts val="0"/>
-              </a:spcBef>
-              <a:spcAft>
-                <a:spcPts val="0"/>
-              </a:spcAft>
-              <a:buNone/>
-            </a:pPr>
             <a:fld id="{00000000-1234-1234-1234-123412341234}" type="slidenum">
-              <a:rPr lang="en"/>
+              <a:rPr lang="en" smtClean="0"/>
+              <a:pPr/>
               <a:t>‹#›</a:t>
             </a:fld>
-            <a:endParaRPr/>
+            <a:endParaRPr lang="en"/>
           </a:p>
         </p:txBody>
       </p:sp>
@@ -6135,8 +6101,8 @@
         </p:nvSpPr>
         <p:spPr>
           <a:xfrm>
-            <a:off x="490250" y="600200"/>
-            <a:ext cx="6367800" cy="5454300"/>
+            <a:off x="653667" y="600200"/>
+            <a:ext cx="8490400" cy="5454300"/>
           </a:xfrm>
           <a:prstGeom prst="rect">
             <a:avLst/>
@@ -6295,8 +6261,8 @@
         </p:nvSpPr>
         <p:spPr>
           <a:xfrm>
-            <a:off x="8472458" y="6217622"/>
-            <a:ext cx="548700" cy="524700"/>
+            <a:off x="11296611" y="6217622"/>
+            <a:ext cx="731600" cy="524700"/>
           </a:xfrm>
           <a:prstGeom prst="rect">
             <a:avLst/>
@@ -6547,20 +6513,12 @@
             </a:lvl9pPr>
           </a:lstStyle>
           <a:p>
-            <a:pPr marL="0" lvl="0" indent="0" algn="r" rtl="0">
-              <a:spcBef>
-                <a:spcPts val="0"/>
-              </a:spcBef>
-              <a:spcAft>
-                <a:spcPts val="0"/>
-              </a:spcAft>
-              <a:buNone/>
-            </a:pPr>
             <a:fld id="{00000000-1234-1234-1234-123412341234}" type="slidenum">
-              <a:rPr lang="en"/>
+              <a:rPr lang="en" smtClean="0"/>
+              <a:pPr/>
               <a:t>‹#›</a:t>
             </a:fld>
-            <a:endParaRPr/>
+            <a:endParaRPr lang="en"/>
           </a:p>
         </p:txBody>
       </p:sp>
@@ -6597,8 +6555,8 @@
         </p:nvSpPr>
         <p:spPr>
           <a:xfrm>
-            <a:off x="4572000" y="-167"/>
-            <a:ext cx="4572000" cy="6858000"/>
+            <a:off x="6096000" y="-167"/>
+            <a:ext cx="6096000" cy="6858000"/>
           </a:xfrm>
           <a:prstGeom prst="rect">
             <a:avLst/>
@@ -6657,8 +6615,8 @@
         </p:nvSpPr>
         <p:spPr>
           <a:xfrm>
-            <a:off x="265500" y="1644233"/>
-            <a:ext cx="4045200" cy="1976400"/>
+            <a:off x="354000" y="1644233"/>
+            <a:ext cx="5393600" cy="1976400"/>
           </a:xfrm>
           <a:prstGeom prst="rect">
             <a:avLst/>
@@ -6817,8 +6775,8 @@
         </p:nvSpPr>
         <p:spPr>
           <a:xfrm>
-            <a:off x="265500" y="3737433"/>
-            <a:ext cx="4045200" cy="1646700"/>
+            <a:off x="354000" y="3737433"/>
+            <a:ext cx="5393600" cy="1646700"/>
           </a:xfrm>
           <a:prstGeom prst="rect">
             <a:avLst/>
@@ -6977,8 +6935,8 @@
         </p:nvSpPr>
         <p:spPr>
           <a:xfrm>
-            <a:off x="4939500" y="965433"/>
-            <a:ext cx="3837000" cy="4926900"/>
+            <a:off x="6586000" y="965433"/>
+            <a:ext cx="5116000" cy="4926900"/>
           </a:xfrm>
           <a:prstGeom prst="rect">
             <a:avLst/>
@@ -7137,8 +7095,8 @@
         </p:nvSpPr>
         <p:spPr>
           <a:xfrm>
-            <a:off x="8472458" y="6217622"/>
-            <a:ext cx="548700" cy="524700"/>
+            <a:off x="11296611" y="6217622"/>
+            <a:ext cx="731600" cy="524700"/>
           </a:xfrm>
           <a:prstGeom prst="rect">
             <a:avLst/>
@@ -7389,20 +7347,12 @@
             </a:lvl9pPr>
           </a:lstStyle>
           <a:p>
-            <a:pPr marL="0" lvl="0" indent="0" algn="r" rtl="0">
-              <a:spcBef>
-                <a:spcPts val="0"/>
-              </a:spcBef>
-              <a:spcAft>
-                <a:spcPts val="0"/>
-              </a:spcAft>
-              <a:buNone/>
-            </a:pPr>
             <a:fld id="{00000000-1234-1234-1234-123412341234}" type="slidenum">
-              <a:rPr lang="en"/>
+              <a:rPr lang="en" smtClean="0"/>
+              <a:pPr/>
               <a:t>‹#›</a:t>
             </a:fld>
-            <a:endParaRPr/>
+            <a:endParaRPr lang="en"/>
           </a:p>
         </p:txBody>
       </p:sp>
@@ -7443,8 +7393,8 @@
         </p:nvSpPr>
         <p:spPr>
           <a:xfrm>
-            <a:off x="311700" y="5640767"/>
-            <a:ext cx="5998800" cy="806700"/>
+            <a:off x="415600" y="5640767"/>
+            <a:ext cx="7998400" cy="806700"/>
           </a:xfrm>
           <a:prstGeom prst="rect">
             <a:avLst/>
@@ -7491,8 +7441,8 @@
         </p:nvSpPr>
         <p:spPr>
           <a:xfrm>
-            <a:off x="8472458" y="6217622"/>
-            <a:ext cx="548700" cy="524700"/>
+            <a:off x="11296611" y="6217622"/>
+            <a:ext cx="731600" cy="524700"/>
           </a:xfrm>
           <a:prstGeom prst="rect">
             <a:avLst/>
@@ -7743,20 +7693,12 @@
             </a:lvl9pPr>
           </a:lstStyle>
           <a:p>
-            <a:pPr marL="0" lvl="0" indent="0" algn="r" rtl="0">
-              <a:spcBef>
-                <a:spcPts val="0"/>
-              </a:spcBef>
-              <a:spcAft>
-                <a:spcPts val="0"/>
-              </a:spcAft>
-              <a:buNone/>
-            </a:pPr>
             <a:fld id="{00000000-1234-1234-1234-123412341234}" type="slidenum">
-              <a:rPr lang="en"/>
+              <a:rPr lang="en" smtClean="0"/>
+              <a:pPr/>
               <a:t>‹#›</a:t>
             </a:fld>
-            <a:endParaRPr/>
+            <a:endParaRPr lang="en"/>
           </a:p>
         </p:txBody>
       </p:sp>
@@ -7805,8 +7747,8 @@
         </p:nvSpPr>
         <p:spPr>
           <a:xfrm>
-            <a:off x="311700" y="593367"/>
-            <a:ext cx="8520600" cy="763500"/>
+            <a:off x="415600" y="593367"/>
+            <a:ext cx="11360800" cy="763500"/>
           </a:xfrm>
           <a:prstGeom prst="rect">
             <a:avLst/>
@@ -8073,8 +8015,8 @@
         </p:nvSpPr>
         <p:spPr>
           <a:xfrm>
-            <a:off x="311700" y="1536633"/>
-            <a:ext cx="8520600" cy="4555200"/>
+            <a:off x="415600" y="1536633"/>
+            <a:ext cx="11360800" cy="4555200"/>
           </a:xfrm>
           <a:prstGeom prst="rect">
             <a:avLst/>
@@ -8341,8 +8283,8 @@
         </p:nvSpPr>
         <p:spPr>
           <a:xfrm>
-            <a:off x="8472458" y="6217622"/>
-            <a:ext cx="548700" cy="524700"/>
+            <a:off x="11296611" y="6217622"/>
+            <a:ext cx="731600" cy="524700"/>
           </a:xfrm>
           <a:prstGeom prst="rect">
             <a:avLst/>
@@ -8593,20 +8535,121 @@
             </a:lvl9pPr>
           </a:lstStyle>
           <a:p>
-            <a:pPr marL="0" lvl="0" indent="0" algn="r" rtl="0">
-              <a:spcBef>
-                <a:spcPts val="0"/>
-              </a:spcBef>
-              <a:spcAft>
-                <a:spcPts val="0"/>
-              </a:spcAft>
-              <a:buNone/>
-            </a:pPr>
             <a:fld id="{00000000-1234-1234-1234-123412341234}" type="slidenum">
-              <a:rPr lang="en"/>
+              <a:rPr lang="en" smtClean="0"/>
+              <a:pPr/>
               <a:t>‹#›</a:t>
             </a:fld>
-            <a:endParaRPr/>
+            <a:endParaRPr lang="en"/>
+          </a:p>
+        </p:txBody>
+      </p:sp>
+      <p:cxnSp>
+        <p:nvCxnSpPr>
+          <p:cNvPr id="2" name="직선 연결선 1">
+            <a:extLst>
+              <a:ext uri="{FF2B5EF4-FFF2-40B4-BE49-F238E27FC236}">
+                <a16:creationId xmlns:a16="http://schemas.microsoft.com/office/drawing/2014/main" id="{6EC79623-712C-EEAA-7211-0BB89FDDE0C4}"/>
+              </a:ext>
+            </a:extLst>
+          </p:cNvPr>
+          <p:cNvCxnSpPr>
+            <a:cxnSpLocks/>
+          </p:cNvCxnSpPr>
+          <p:nvPr userDrawn="1"/>
+        </p:nvCxnSpPr>
+        <p:spPr>
+          <a:xfrm>
+            <a:off x="0" y="365125"/>
+            <a:ext cx="10582183" cy="0"/>
+          </a:xfrm>
+          <a:prstGeom prst="line">
+            <a:avLst/>
+          </a:prstGeom>
+          <a:ln w="38100"/>
+        </p:spPr>
+        <p:style>
+          <a:lnRef idx="1">
+            <a:schemeClr val="accent1"/>
+          </a:lnRef>
+          <a:fillRef idx="0">
+            <a:schemeClr val="accent1"/>
+          </a:fillRef>
+          <a:effectRef idx="0">
+            <a:schemeClr val="accent1"/>
+          </a:effectRef>
+          <a:fontRef idx="minor">
+            <a:schemeClr val="tx1"/>
+          </a:fontRef>
+        </p:style>
+      </p:cxnSp>
+      <p:pic>
+        <p:nvPicPr>
+          <p:cNvPr id="3" name="그림 2">
+            <a:extLst>
+              <a:ext uri="{FF2B5EF4-FFF2-40B4-BE49-F238E27FC236}">
+                <a16:creationId xmlns:a16="http://schemas.microsoft.com/office/drawing/2014/main" id="{E4AF20F3-1DF0-A825-78D3-9AAEBB342145}"/>
+              </a:ext>
+            </a:extLst>
+          </p:cNvPr>
+          <p:cNvPicPr>
+            <a:picLocks noChangeAspect="1"/>
+          </p:cNvPicPr>
+          <p:nvPr userDrawn="1"/>
+        </p:nvPicPr>
+        <p:blipFill>
+          <a:blip r:embed="rId13"/>
+          <a:stretch>
+            <a:fillRect/>
+          </a:stretch>
+        </p:blipFill>
+        <p:spPr>
+          <a:xfrm>
+            <a:off x="10758910" y="129799"/>
+            <a:ext cx="1189780" cy="470650"/>
+          </a:xfrm>
+          <a:prstGeom prst="rect">
+            <a:avLst/>
+          </a:prstGeom>
+        </p:spPr>
+      </p:pic>
+      <p:sp>
+        <p:nvSpPr>
+          <p:cNvPr id="4" name="TextBox 3">
+            <a:extLst>
+              <a:ext uri="{FF2B5EF4-FFF2-40B4-BE49-F238E27FC236}">
+                <a16:creationId xmlns:a16="http://schemas.microsoft.com/office/drawing/2014/main" id="{5E8D41C7-7C31-235A-1FD6-770FD07D0188}"/>
+              </a:ext>
+            </a:extLst>
+          </p:cNvPr>
+          <p:cNvSpPr txBox="1"/>
+          <p:nvPr userDrawn="1"/>
+        </p:nvSpPr>
+        <p:spPr>
+          <a:xfrm>
+            <a:off x="5112397" y="6409678"/>
+            <a:ext cx="1967205" cy="307777"/>
+          </a:xfrm>
+          <a:prstGeom prst="rect">
+            <a:avLst/>
+          </a:prstGeom>
+          <a:noFill/>
+        </p:spPr>
+        <p:txBody>
+          <a:bodyPr wrap="none" rtlCol="0">
+            <a:spAutoFit/>
+          </a:bodyPr>
+          <a:lstStyle/>
+          <a:p>
+            <a:r>
+              <a:rPr lang="en-US" altLang="ko-KR" sz="1400" b="0" dirty="0"/>
+              <a:t>Copyright 2022 </a:t>
+            </a:r>
+            <a:r>
+              <a:rPr lang="en-US" altLang="ko-KR" sz="1400" b="0" dirty="0" err="1"/>
+              <a:t>jdedu</a:t>
+            </a:r>
+            <a:endParaRPr lang="ko-KR" altLang="en-US" sz="1400" b="0" dirty="0"/>
           </a:p>
         </p:txBody>
       </p:sp>
@@ -9348,7 +9391,7 @@
         </p:nvSpPr>
         <p:spPr>
           <a:xfrm>
-            <a:off x="311708" y="992767"/>
+            <a:off x="1835708" y="992767"/>
             <a:ext cx="8520600" cy="2736900"/>
           </a:xfrm>
           <a:prstGeom prst="rect">
@@ -9365,19 +9408,6 @@
           </a:bodyPr>
           <a:lstStyle/>
           <a:p>
-            <a:pPr marL="0" lvl="0" indent="0" algn="ctr" rtl="0">
-              <a:lnSpc>
-                <a:spcPct val="100000"/>
-              </a:lnSpc>
-              <a:spcBef>
-                <a:spcPts val="0"/>
-              </a:spcBef>
-              <a:spcAft>
-                <a:spcPts val="0"/>
-              </a:spcAft>
-              <a:buSzPts val="5200"/>
-              <a:buNone/>
-            </a:pPr>
             <a:r>
               <a:rPr lang="en" sz="4700" b="1">
                 <a:solidFill>
@@ -9393,102 +9423,11 @@
             </a:endParaRPr>
           </a:p>
           <a:p>
-            <a:pPr marL="0" lvl="0" indent="0" algn="ctr" rtl="0">
-              <a:lnSpc>
-                <a:spcPct val="100000"/>
-              </a:lnSpc>
-              <a:spcBef>
-                <a:spcPts val="0"/>
-              </a:spcBef>
-              <a:spcAft>
-                <a:spcPts val="0"/>
-              </a:spcAft>
-              <a:buSzPts val="5200"/>
-              <a:buNone/>
-            </a:pPr>
             <a:r>
               <a:rPr lang="en" b="1"/>
               <a:t>산술연산자 &amp; 논리연산자, 비교연산자</a:t>
             </a:r>
             <a:endParaRPr b="1"/>
-          </a:p>
-        </p:txBody>
-      </p:sp>
-      <p:sp>
-        <p:nvSpPr>
-          <p:cNvPr id="55" name="Google Shape;55;p1"/>
-          <p:cNvSpPr txBox="1">
-            <a:spLocks noGrp="1"/>
-          </p:cNvSpPr>
-          <p:nvPr>
-            <p:ph type="subTitle" idx="1"/>
-          </p:nvPr>
-        </p:nvSpPr>
-        <p:spPr>
-          <a:xfrm>
-            <a:off x="311700" y="4236033"/>
-            <a:ext cx="8520600" cy="1056900"/>
-          </a:xfrm>
-          <a:prstGeom prst="rect">
-            <a:avLst/>
-          </a:prstGeom>
-          <a:noFill/>
-          <a:ln>
-            <a:noFill/>
-          </a:ln>
-        </p:spPr>
-        <p:txBody>
-          <a:bodyPr spcFirstLastPara="1" wrap="square" lIns="91425" tIns="91425" rIns="91425" bIns="91425" anchor="t" anchorCtr="0">
-            <a:normAutofit/>
-          </a:bodyPr>
-          <a:lstStyle/>
-          <a:p>
-            <a:pPr marL="0" lvl="0" indent="0" algn="ctr" rtl="0">
-              <a:lnSpc>
-                <a:spcPct val="100000"/>
-              </a:lnSpc>
-              <a:spcBef>
-                <a:spcPts val="0"/>
-              </a:spcBef>
-              <a:spcAft>
-                <a:spcPts val="0"/>
-              </a:spcAft>
-              <a:buClr>
-                <a:schemeClr val="dk1"/>
-              </a:buClr>
-              <a:buSzPts val="1100"/>
-              <a:buFont typeface="Arial"/>
-              <a:buNone/>
-            </a:pPr>
-            <a:r>
-              <a:rPr lang="en" b="1">
-                <a:solidFill>
-                  <a:srgbClr val="0000FF"/>
-                </a:solidFill>
-              </a:rPr>
-              <a:t>JD Edu</a:t>
-            </a:r>
-            <a:endParaRPr b="1">
-              <a:solidFill>
-                <a:srgbClr val="0000FF"/>
-              </a:solidFill>
-            </a:endParaRPr>
-          </a:p>
-          <a:p>
-            <a:pPr marL="0" lvl="0" indent="0" algn="ctr" rtl="0">
-              <a:lnSpc>
-                <a:spcPct val="100000"/>
-              </a:lnSpc>
-              <a:spcBef>
-                <a:spcPts val="0"/>
-              </a:spcBef>
-              <a:spcAft>
-                <a:spcPts val="0"/>
-              </a:spcAft>
-              <a:buSzPts val="2800"/>
-              <a:buNone/>
-            </a:pPr>
-            <a:endParaRPr/>
           </a:p>
         </p:txBody>
       </p:sp>
@@ -9529,7 +9468,7 @@
         </p:nvSpPr>
         <p:spPr>
           <a:xfrm>
-            <a:off x="311700" y="593367"/>
+            <a:off x="1835700" y="593367"/>
             <a:ext cx="8520600" cy="763500"/>
           </a:xfrm>
           <a:prstGeom prst="rect">
@@ -9546,19 +9485,6 @@
           </a:bodyPr>
           <a:lstStyle/>
           <a:p>
-            <a:pPr marL="0" lvl="0" indent="0" algn="l" rtl="0">
-              <a:lnSpc>
-                <a:spcPct val="100000"/>
-              </a:lnSpc>
-              <a:spcBef>
-                <a:spcPts val="0"/>
-              </a:spcBef>
-              <a:spcAft>
-                <a:spcPts val="0"/>
-              </a:spcAft>
-              <a:buSzPts val="2800"/>
-              <a:buNone/>
-            </a:pPr>
             <a:r>
               <a:rPr lang="en" b="1"/>
               <a:t>파이썬의 연산자(Operator)</a:t>
@@ -9579,7 +9505,7 @@
         </p:nvSpPr>
         <p:spPr>
           <a:xfrm>
-            <a:off x="311700" y="1536629"/>
+            <a:off x="1835700" y="1536629"/>
             <a:ext cx="8520600" cy="2263200"/>
           </a:xfrm>
           <a:prstGeom prst="rect">
@@ -9596,19 +9522,6 @@
           </a:bodyPr>
           <a:lstStyle/>
           <a:p>
-            <a:pPr marL="457200" lvl="0" indent="-342900" algn="l" rtl="0">
-              <a:lnSpc>
-                <a:spcPct val="115000"/>
-              </a:lnSpc>
-              <a:spcBef>
-                <a:spcPts val="0"/>
-              </a:spcBef>
-              <a:spcAft>
-                <a:spcPts val="0"/>
-              </a:spcAft>
-              <a:buSzPts val="1800"/>
-              <a:buChar char="●"/>
-            </a:pPr>
             <a:r>
               <a:rPr lang="en"/>
               <a:t>파이썬에서 연산자는 두개의 변수 혹은 숫자를 정해진 연산을 행하고, 그 결과를 전달해 주는 역할을 합니다. </a:t>
@@ -9616,19 +9529,6 @@
             <a:endParaRPr/>
           </a:p>
           <a:p>
-            <a:pPr marL="457200" lvl="0" indent="-342900" algn="l" rtl="0">
-              <a:lnSpc>
-                <a:spcPct val="115000"/>
-              </a:lnSpc>
-              <a:spcBef>
-                <a:spcPts val="0"/>
-              </a:spcBef>
-              <a:spcAft>
-                <a:spcPts val="0"/>
-              </a:spcAft>
-              <a:buSzPts val="1800"/>
-              <a:buChar char="●"/>
-            </a:pPr>
             <a:r>
               <a:rPr lang="en"/>
               <a:t>파이썬에 주요한 연산자는 다음 세가지가 있습니다. </a:t>
@@ -9636,19 +9536,7 @@
             <a:endParaRPr/>
           </a:p>
           <a:p>
-            <a:pPr marL="914400" lvl="1" indent="-317500" algn="l" rtl="0">
-              <a:lnSpc>
-                <a:spcPct val="115000"/>
-              </a:lnSpc>
-              <a:spcBef>
-                <a:spcPts val="0"/>
-              </a:spcBef>
-              <a:spcAft>
-                <a:spcPts val="0"/>
-              </a:spcAft>
-              <a:buSzPts val="1400"/>
-              <a:buChar char="○"/>
-            </a:pPr>
+            <a:pPr lvl="1"/>
             <a:r>
               <a:rPr lang="en"/>
               <a:t>산술연산자 </a:t>
@@ -9656,19 +9544,7 @@
             <a:endParaRPr/>
           </a:p>
           <a:p>
-            <a:pPr marL="914400" lvl="1" indent="-317500" algn="l" rtl="0">
-              <a:lnSpc>
-                <a:spcPct val="115000"/>
-              </a:lnSpc>
-              <a:spcBef>
-                <a:spcPts val="0"/>
-              </a:spcBef>
-              <a:spcAft>
-                <a:spcPts val="0"/>
-              </a:spcAft>
-              <a:buSzPts val="1400"/>
-              <a:buChar char="○"/>
-            </a:pPr>
+            <a:pPr lvl="1"/>
             <a:r>
               <a:rPr lang="en"/>
               <a:t>비교연산자(관계연산자)</a:t>
@@ -9676,19 +9552,7 @@
             <a:endParaRPr/>
           </a:p>
           <a:p>
-            <a:pPr marL="914400" lvl="1" indent="-317500" algn="l" rtl="0">
-              <a:lnSpc>
-                <a:spcPct val="115000"/>
-              </a:lnSpc>
-              <a:spcBef>
-                <a:spcPts val="0"/>
-              </a:spcBef>
-              <a:spcAft>
-                <a:spcPts val="0"/>
-              </a:spcAft>
-              <a:buSzPts val="1400"/>
-              <a:buChar char="○"/>
-            </a:pPr>
+            <a:pPr lvl="1"/>
             <a:r>
               <a:rPr lang="en"/>
               <a:t>논리연산자 </a:t>
@@ -9705,7 +9569,7 @@
         </p:nvSpPr>
         <p:spPr>
           <a:xfrm>
-            <a:off x="3551550" y="4114800"/>
+            <a:off x="5075550" y="4114800"/>
             <a:ext cx="1056600" cy="861900"/>
           </a:xfrm>
           <a:prstGeom prst="roundRect">
@@ -9732,124 +9596,34 @@
           </a:bodyPr>
           <a:lstStyle/>
           <a:p>
-            <a:pPr marL="0" marR="0" lvl="0" indent="0" algn="ctr" rtl="0">
-              <a:lnSpc>
-                <a:spcPct val="100000"/>
-              </a:lnSpc>
-              <a:spcBef>
-                <a:spcPts val="0"/>
-              </a:spcBef>
-              <a:spcAft>
-                <a:spcPts val="0"/>
-              </a:spcAft>
-              <a:buClr>
-                <a:srgbClr val="000000"/>
-              </a:buClr>
+            <a:pPr algn="ctr">
               <a:buSzPts val="1400"/>
-              <a:buFont typeface="Arial"/>
-              <a:buNone/>
             </a:pPr>
             <a:r>
-              <a:rPr lang="en" sz="1400" b="1" i="0" u="none" strike="noStrike" cap="none">
-                <a:solidFill>
-                  <a:srgbClr val="000000"/>
-                </a:solidFill>
-                <a:latin typeface="Arial"/>
-                <a:ea typeface="Arial"/>
-                <a:cs typeface="Arial"/>
-                <a:sym typeface="Arial"/>
-              </a:rPr>
+              <a:rPr lang="en" b="1"/>
               <a:t>변수1</a:t>
             </a:r>
-            <a:endParaRPr sz="1400" b="1" i="0" u="none" strike="noStrike" cap="none">
-              <a:solidFill>
-                <a:srgbClr val="000000"/>
-              </a:solidFill>
-              <a:latin typeface="Arial"/>
-              <a:ea typeface="Arial"/>
-              <a:cs typeface="Arial"/>
-              <a:sym typeface="Arial"/>
-            </a:endParaRPr>
+            <a:endParaRPr b="1"/>
           </a:p>
           <a:p>
-            <a:pPr marL="0" marR="0" lvl="0" indent="0" algn="ctr" rtl="0">
-              <a:lnSpc>
-                <a:spcPct val="100000"/>
-              </a:lnSpc>
-              <a:spcBef>
-                <a:spcPts val="0"/>
-              </a:spcBef>
-              <a:spcAft>
-                <a:spcPts val="0"/>
-              </a:spcAft>
-              <a:buClr>
-                <a:srgbClr val="000000"/>
-              </a:buClr>
+            <a:pPr algn="ctr">
               <a:buSzPts val="1400"/>
-              <a:buFont typeface="Arial"/>
-              <a:buNone/>
             </a:pPr>
             <a:r>
-              <a:rPr lang="en" sz="1400" b="1" i="0" u="none" strike="noStrike" cap="none">
-                <a:solidFill>
-                  <a:srgbClr val="000000"/>
-                </a:solidFill>
-                <a:latin typeface="Arial"/>
-                <a:ea typeface="Arial"/>
-                <a:cs typeface="Arial"/>
-                <a:sym typeface="Arial"/>
-              </a:rPr>
+              <a:rPr lang="en" b="1"/>
               <a:t>또는</a:t>
             </a:r>
-            <a:endParaRPr sz="1400" b="1" i="0" u="none" strike="noStrike" cap="none">
-              <a:solidFill>
-                <a:srgbClr val="000000"/>
-              </a:solidFill>
-              <a:latin typeface="Arial"/>
-              <a:ea typeface="Arial"/>
-              <a:cs typeface="Arial"/>
-              <a:sym typeface="Arial"/>
-            </a:endParaRPr>
+            <a:endParaRPr b="1"/>
           </a:p>
           <a:p>
-            <a:pPr marL="0" marR="0" lvl="0" indent="0" algn="ctr" rtl="0">
-              <a:lnSpc>
-                <a:spcPct val="100000"/>
-              </a:lnSpc>
-              <a:spcBef>
-                <a:spcPts val="0"/>
-              </a:spcBef>
-              <a:spcAft>
-                <a:spcPts val="0"/>
-              </a:spcAft>
-              <a:buClr>
-                <a:srgbClr val="000000"/>
-              </a:buClr>
+            <a:pPr algn="ctr">
               <a:buSzPts val="1400"/>
-              <a:buFont typeface="Arial"/>
-              <a:buNone/>
             </a:pPr>
             <a:r>
-              <a:rPr lang="en" sz="1400" b="1" i="0" u="none" strike="noStrike" cap="none">
-                <a:solidFill>
-                  <a:srgbClr val="000000"/>
-                </a:solidFill>
-                <a:latin typeface="Arial"/>
-                <a:ea typeface="Arial"/>
-                <a:cs typeface="Arial"/>
-                <a:sym typeface="Arial"/>
-              </a:rPr>
+              <a:rPr lang="en" b="1"/>
               <a:t>조건식</a:t>
             </a:r>
-            <a:endParaRPr sz="1400" b="1" i="0" u="none" strike="noStrike" cap="none">
-              <a:solidFill>
-                <a:srgbClr val="000000"/>
-              </a:solidFill>
-              <a:latin typeface="Arial"/>
-              <a:ea typeface="Arial"/>
-              <a:cs typeface="Arial"/>
-              <a:sym typeface="Arial"/>
-            </a:endParaRPr>
+            <a:endParaRPr b="1"/>
           </a:p>
         </p:txBody>
       </p:sp>
@@ -9861,7 +9635,7 @@
         </p:nvSpPr>
         <p:spPr>
           <a:xfrm>
-            <a:off x="5066300" y="4114800"/>
+            <a:off x="6590300" y="4114800"/>
             <a:ext cx="1056600" cy="861900"/>
           </a:xfrm>
           <a:prstGeom prst="roundRect">
@@ -9888,44 +9662,14 @@
           </a:bodyPr>
           <a:lstStyle/>
           <a:p>
-            <a:pPr marL="0" marR="0" lvl="0" indent="0" algn="ctr" rtl="0">
-              <a:lnSpc>
-                <a:spcPct val="100000"/>
-              </a:lnSpc>
-              <a:spcBef>
-                <a:spcPts val="0"/>
-              </a:spcBef>
-              <a:spcAft>
-                <a:spcPts val="0"/>
-              </a:spcAft>
-              <a:buClr>
-                <a:srgbClr val="000000"/>
-              </a:buClr>
+            <a:pPr algn="ctr">
               <a:buSzPts val="1400"/>
-              <a:buFont typeface="Arial"/>
-              <a:buNone/>
             </a:pPr>
             <a:r>
-              <a:rPr lang="en" sz="1400" b="1" i="0" u="none" strike="noStrike" cap="none">
-                <a:solidFill>
-                  <a:srgbClr val="000000"/>
-                </a:solidFill>
-                <a:latin typeface="Arial"/>
-                <a:ea typeface="Arial"/>
-                <a:cs typeface="Arial"/>
-                <a:sym typeface="Arial"/>
-              </a:rPr>
+              <a:rPr lang="en" b="1"/>
               <a:t>연산자</a:t>
             </a:r>
-            <a:endParaRPr sz="1400" b="1" i="0" u="none" strike="noStrike" cap="none">
-              <a:solidFill>
-                <a:srgbClr val="000000"/>
-              </a:solidFill>
-              <a:latin typeface="Arial"/>
-              <a:ea typeface="Arial"/>
-              <a:cs typeface="Arial"/>
-              <a:sym typeface="Arial"/>
-            </a:endParaRPr>
+            <a:endParaRPr b="1"/>
           </a:p>
         </p:txBody>
       </p:sp>
@@ -9937,7 +9681,7 @@
         </p:nvSpPr>
         <p:spPr>
           <a:xfrm>
-            <a:off x="6535700" y="4114800"/>
+            <a:off x="8059700" y="4114800"/>
             <a:ext cx="1056600" cy="861900"/>
           </a:xfrm>
           <a:prstGeom prst="roundRect">
@@ -9964,124 +9708,34 @@
           </a:bodyPr>
           <a:lstStyle/>
           <a:p>
-            <a:pPr marL="0" marR="0" lvl="0" indent="0" algn="ctr" rtl="0">
-              <a:lnSpc>
-                <a:spcPct val="100000"/>
-              </a:lnSpc>
-              <a:spcBef>
-                <a:spcPts val="0"/>
-              </a:spcBef>
-              <a:spcAft>
-                <a:spcPts val="0"/>
-              </a:spcAft>
-              <a:buClr>
-                <a:srgbClr val="000000"/>
-              </a:buClr>
+            <a:pPr algn="ctr">
               <a:buSzPts val="1400"/>
-              <a:buFont typeface="Arial"/>
-              <a:buNone/>
             </a:pPr>
             <a:r>
-              <a:rPr lang="en" sz="1400" b="1" i="0" u="none" strike="noStrike" cap="none">
-                <a:solidFill>
-                  <a:srgbClr val="000000"/>
-                </a:solidFill>
-                <a:latin typeface="Arial"/>
-                <a:ea typeface="Arial"/>
-                <a:cs typeface="Arial"/>
-                <a:sym typeface="Arial"/>
-              </a:rPr>
+              <a:rPr lang="en" b="1"/>
               <a:t>변수2</a:t>
             </a:r>
-            <a:endParaRPr sz="1400" b="1" i="0" u="none" strike="noStrike" cap="none">
-              <a:solidFill>
-                <a:srgbClr val="000000"/>
-              </a:solidFill>
-              <a:latin typeface="Arial"/>
-              <a:ea typeface="Arial"/>
-              <a:cs typeface="Arial"/>
-              <a:sym typeface="Arial"/>
-            </a:endParaRPr>
+            <a:endParaRPr b="1"/>
           </a:p>
           <a:p>
-            <a:pPr marL="0" marR="0" lvl="0" indent="0" algn="ctr" rtl="0">
-              <a:lnSpc>
-                <a:spcPct val="100000"/>
-              </a:lnSpc>
-              <a:spcBef>
-                <a:spcPts val="0"/>
-              </a:spcBef>
-              <a:spcAft>
-                <a:spcPts val="0"/>
-              </a:spcAft>
-              <a:buClr>
-                <a:srgbClr val="000000"/>
-              </a:buClr>
+            <a:pPr algn="ctr">
               <a:buSzPts val="1400"/>
-              <a:buFont typeface="Arial"/>
-              <a:buNone/>
             </a:pPr>
             <a:r>
-              <a:rPr lang="en" sz="1400" b="1" i="0" u="none" strike="noStrike" cap="none">
-                <a:solidFill>
-                  <a:srgbClr val="000000"/>
-                </a:solidFill>
-                <a:latin typeface="Arial"/>
-                <a:ea typeface="Arial"/>
-                <a:cs typeface="Arial"/>
-                <a:sym typeface="Arial"/>
-              </a:rPr>
+              <a:rPr lang="en" b="1"/>
               <a:t>또는</a:t>
             </a:r>
-            <a:endParaRPr sz="1400" b="1" i="0" u="none" strike="noStrike" cap="none">
-              <a:solidFill>
-                <a:srgbClr val="000000"/>
-              </a:solidFill>
-              <a:latin typeface="Arial"/>
-              <a:ea typeface="Arial"/>
-              <a:cs typeface="Arial"/>
-              <a:sym typeface="Arial"/>
-            </a:endParaRPr>
+            <a:endParaRPr b="1"/>
           </a:p>
           <a:p>
-            <a:pPr marL="0" marR="0" lvl="0" indent="0" algn="ctr" rtl="0">
-              <a:lnSpc>
-                <a:spcPct val="100000"/>
-              </a:lnSpc>
-              <a:spcBef>
-                <a:spcPts val="0"/>
-              </a:spcBef>
-              <a:spcAft>
-                <a:spcPts val="0"/>
-              </a:spcAft>
-              <a:buClr>
-                <a:srgbClr val="000000"/>
-              </a:buClr>
+            <a:pPr algn="ctr">
               <a:buSzPts val="1400"/>
-              <a:buFont typeface="Arial"/>
-              <a:buNone/>
             </a:pPr>
             <a:r>
-              <a:rPr lang="en" sz="1400" b="1" i="0" u="none" strike="noStrike" cap="none">
-                <a:solidFill>
-                  <a:srgbClr val="000000"/>
-                </a:solidFill>
-                <a:latin typeface="Arial"/>
-                <a:ea typeface="Arial"/>
-                <a:cs typeface="Arial"/>
-                <a:sym typeface="Arial"/>
-              </a:rPr>
+              <a:rPr lang="en" b="1"/>
               <a:t>조건식</a:t>
             </a:r>
-            <a:endParaRPr sz="1400" b="1" i="0" u="none" strike="noStrike" cap="none">
-              <a:solidFill>
-                <a:srgbClr val="000000"/>
-              </a:solidFill>
-              <a:latin typeface="Arial"/>
-              <a:ea typeface="Arial"/>
-              <a:cs typeface="Arial"/>
-              <a:sym typeface="Arial"/>
-            </a:endParaRPr>
+            <a:endParaRPr b="1"/>
           </a:p>
         </p:txBody>
       </p:sp>
@@ -10093,7 +9747,7 @@
         </p:nvSpPr>
         <p:spPr>
           <a:xfrm>
-            <a:off x="2884275" y="4199400"/>
+            <a:off x="4408275" y="4199400"/>
             <a:ext cx="491100" cy="692700"/>
           </a:xfrm>
           <a:prstGeom prst="rect">
@@ -10110,44 +9764,14 @@
           </a:bodyPr>
           <a:lstStyle/>
           <a:p>
-            <a:pPr marL="0" marR="0" lvl="0" indent="0" algn="l" rtl="0">
-              <a:lnSpc>
-                <a:spcPct val="100000"/>
-              </a:lnSpc>
-              <a:spcBef>
-                <a:spcPts val="0"/>
-              </a:spcBef>
-              <a:spcAft>
-                <a:spcPts val="0"/>
-              </a:spcAft>
-              <a:buClr>
-                <a:srgbClr val="000000"/>
-              </a:buClr>
+            <a:pPr>
               <a:buSzPts val="3300"/>
-              <a:buFont typeface="Arial"/>
-              <a:buNone/>
             </a:pPr>
             <a:r>
-              <a:rPr lang="en" sz="3300" b="1" i="0" u="none" strike="noStrike" cap="none">
-                <a:solidFill>
-                  <a:srgbClr val="000000"/>
-                </a:solidFill>
-                <a:latin typeface="Arial"/>
-                <a:ea typeface="Arial"/>
-                <a:cs typeface="Arial"/>
-                <a:sym typeface="Arial"/>
-              </a:rPr>
+              <a:rPr lang="en" sz="3300" b="1"/>
               <a:t>=</a:t>
             </a:r>
-            <a:endParaRPr sz="3300" b="1" i="0" u="none" strike="noStrike" cap="none">
-              <a:solidFill>
-                <a:srgbClr val="000000"/>
-              </a:solidFill>
-              <a:latin typeface="Arial"/>
-              <a:ea typeface="Arial"/>
-              <a:cs typeface="Arial"/>
-              <a:sym typeface="Arial"/>
-            </a:endParaRPr>
+            <a:endParaRPr sz="3300" b="1"/>
           </a:p>
         </p:txBody>
       </p:sp>
@@ -10159,7 +9783,7 @@
         </p:nvSpPr>
         <p:spPr>
           <a:xfrm>
-            <a:off x="1572400" y="4114800"/>
+            <a:off x="3096400" y="4114800"/>
             <a:ext cx="1056600" cy="861900"/>
           </a:xfrm>
           <a:prstGeom prst="roundRect">
@@ -10186,44 +9810,14 @@
           </a:bodyPr>
           <a:lstStyle/>
           <a:p>
-            <a:pPr marL="0" marR="0" lvl="0" indent="0" algn="ctr" rtl="0">
-              <a:lnSpc>
-                <a:spcPct val="100000"/>
-              </a:lnSpc>
-              <a:spcBef>
-                <a:spcPts val="0"/>
-              </a:spcBef>
-              <a:spcAft>
-                <a:spcPts val="0"/>
-              </a:spcAft>
-              <a:buClr>
-                <a:srgbClr val="000000"/>
-              </a:buClr>
+            <a:pPr algn="ctr">
               <a:buSzPts val="1400"/>
-              <a:buFont typeface="Arial"/>
-              <a:buNone/>
             </a:pPr>
             <a:r>
-              <a:rPr lang="en" sz="1400" b="1" i="0" u="none" strike="noStrike" cap="none">
-                <a:solidFill>
-                  <a:srgbClr val="000000"/>
-                </a:solidFill>
-                <a:latin typeface="Arial"/>
-                <a:ea typeface="Arial"/>
-                <a:cs typeface="Arial"/>
-                <a:sym typeface="Arial"/>
-              </a:rPr>
+              <a:rPr lang="en" b="1"/>
               <a:t>결과값</a:t>
             </a:r>
-            <a:endParaRPr sz="1400" b="1" i="0" u="none" strike="noStrike" cap="none">
-              <a:solidFill>
-                <a:srgbClr val="000000"/>
-              </a:solidFill>
-              <a:latin typeface="Arial"/>
-              <a:ea typeface="Arial"/>
-              <a:cs typeface="Arial"/>
-              <a:sym typeface="Arial"/>
-            </a:endParaRPr>
+            <a:endParaRPr b="1"/>
           </a:p>
         </p:txBody>
       </p:sp>
@@ -10264,7 +9858,7 @@
         </p:nvSpPr>
         <p:spPr>
           <a:xfrm>
-            <a:off x="311700" y="593367"/>
+            <a:off x="1835700" y="593367"/>
             <a:ext cx="8520600" cy="763500"/>
           </a:xfrm>
           <a:prstGeom prst="rect">
@@ -10281,19 +9875,6 @@
           </a:bodyPr>
           <a:lstStyle/>
           <a:p>
-            <a:pPr marL="0" lvl="0" indent="0" algn="l" rtl="0">
-              <a:lnSpc>
-                <a:spcPct val="100000"/>
-              </a:lnSpc>
-              <a:spcBef>
-                <a:spcPts val="0"/>
-              </a:spcBef>
-              <a:spcAft>
-                <a:spcPts val="0"/>
-              </a:spcAft>
-              <a:buSzPts val="2800"/>
-              <a:buNone/>
-            </a:pPr>
             <a:r>
               <a:rPr lang="en" b="1"/>
               <a:t>산술연산자 </a:t>
@@ -10314,7 +9895,7 @@
         </p:nvSpPr>
         <p:spPr>
           <a:xfrm>
-            <a:off x="311700" y="1536632"/>
+            <a:off x="1835700" y="1536632"/>
             <a:ext cx="8520600" cy="715500"/>
           </a:xfrm>
           <a:prstGeom prst="rect">
@@ -10331,19 +9912,6 @@
           </a:bodyPr>
           <a:lstStyle/>
           <a:p>
-            <a:pPr marL="457200" lvl="0" indent="-342900" algn="l" rtl="0">
-              <a:lnSpc>
-                <a:spcPct val="115000"/>
-              </a:lnSpc>
-              <a:spcBef>
-                <a:spcPts val="0"/>
-              </a:spcBef>
-              <a:spcAft>
-                <a:spcPts val="0"/>
-              </a:spcAft>
-              <a:buSzPts val="1800"/>
-              <a:buChar char="●"/>
-            </a:pPr>
             <a:r>
               <a:rPr lang="en"/>
               <a:t>산술연산자는 연산자 좌우의 변수 또는 숫자를 산술연산 합니다.  </a:t>
@@ -10367,7 +9935,7 @@
         </p:blipFill>
         <p:spPr>
           <a:xfrm>
-            <a:off x="958675" y="2252132"/>
+            <a:off x="2482675" y="2252133"/>
             <a:ext cx="3486150" cy="3857625"/>
           </a:xfrm>
           <a:prstGeom prst="rect">
@@ -10416,7 +9984,7 @@
         </p:nvSpPr>
         <p:spPr>
           <a:xfrm>
-            <a:off x="311700" y="593367"/>
+            <a:off x="1835700" y="593367"/>
             <a:ext cx="8520600" cy="763500"/>
           </a:xfrm>
           <a:prstGeom prst="rect">
@@ -10433,19 +10001,6 @@
           </a:bodyPr>
           <a:lstStyle/>
           <a:p>
-            <a:pPr marL="0" lvl="0" indent="0" algn="l" rtl="0">
-              <a:lnSpc>
-                <a:spcPct val="100000"/>
-              </a:lnSpc>
-              <a:spcBef>
-                <a:spcPts val="0"/>
-              </a:spcBef>
-              <a:spcAft>
-                <a:spcPts val="0"/>
-              </a:spcAft>
-              <a:buSzPts val="2800"/>
-              <a:buNone/>
-            </a:pPr>
             <a:r>
               <a:rPr lang="en" b="1"/>
               <a:t>비교연산자(관계연산자)</a:t>
@@ -10466,7 +10021,7 @@
         </p:nvSpPr>
         <p:spPr>
           <a:xfrm>
-            <a:off x="311700" y="1536631"/>
+            <a:off x="1835700" y="1536631"/>
             <a:ext cx="8520600" cy="1317900"/>
           </a:xfrm>
           <a:prstGeom prst="rect">
@@ -10483,19 +10038,6 @@
           </a:bodyPr>
           <a:lstStyle/>
           <a:p>
-            <a:pPr marL="457200" lvl="0" indent="-342900" algn="l" rtl="0">
-              <a:lnSpc>
-                <a:spcPct val="115000"/>
-              </a:lnSpc>
-              <a:spcBef>
-                <a:spcPts val="0"/>
-              </a:spcBef>
-              <a:spcAft>
-                <a:spcPts val="0"/>
-              </a:spcAft>
-              <a:buSzPts val="1800"/>
-              <a:buChar char="●"/>
-            </a:pPr>
             <a:r>
               <a:rPr lang="en"/>
               <a:t>비교연산자는 연산자 좌우의 변수 또는 숫자를 비교한 후 비교 결과가 참이면 True를 거짓이면 False를 전달합니다. </a:t>
@@ -10503,19 +10045,6 @@
             <a:endParaRPr/>
           </a:p>
           <a:p>
-            <a:pPr marL="457200" lvl="0" indent="-342900" algn="l" rtl="0">
-              <a:lnSpc>
-                <a:spcPct val="115000"/>
-              </a:lnSpc>
-              <a:spcBef>
-                <a:spcPts val="0"/>
-              </a:spcBef>
-              <a:spcAft>
-                <a:spcPts val="0"/>
-              </a:spcAft>
-              <a:buSzPts val="1800"/>
-              <a:buChar char="●"/>
-            </a:pPr>
             <a:r>
               <a:rPr lang="en" b="1"/>
               <a:t>즉 비교연산자의 연산 결과는 True아니면 False입니다. </a:t>
@@ -10543,7 +10072,7 @@
         </p:blipFill>
         <p:spPr>
           <a:xfrm>
-            <a:off x="1014300" y="2701081"/>
+            <a:off x="2538300" y="2701081"/>
             <a:ext cx="5314950" cy="3600450"/>
           </a:xfrm>
           <a:prstGeom prst="rect">
@@ -10592,7 +10121,7 @@
         </p:nvSpPr>
         <p:spPr>
           <a:xfrm>
-            <a:off x="311700" y="593367"/>
+            <a:off x="1835700" y="593367"/>
             <a:ext cx="8520600" cy="763500"/>
           </a:xfrm>
           <a:prstGeom prst="rect">
@@ -10609,22 +10138,8 @@
           </a:bodyPr>
           <a:lstStyle/>
           <a:p>
-            <a:pPr marL="0" lvl="0" indent="0" algn="l" rtl="0">
-              <a:lnSpc>
-                <a:spcPct val="100000"/>
-              </a:lnSpc>
-              <a:spcBef>
-                <a:spcPts val="0"/>
-              </a:spcBef>
-              <a:spcAft>
-                <a:spcPts val="0"/>
-              </a:spcAft>
-              <a:buClr>
-                <a:schemeClr val="dk1"/>
-              </a:buClr>
+            <a:pPr>
               <a:buSzPts val="1100"/>
-              <a:buFont typeface="Arial"/>
-              <a:buNone/>
             </a:pPr>
             <a:r>
               <a:rPr lang="en" b="1"/>
@@ -10646,7 +10161,7 @@
         </p:nvSpPr>
         <p:spPr>
           <a:xfrm>
-            <a:off x="311700" y="1536631"/>
+            <a:off x="1835700" y="1536631"/>
             <a:ext cx="8520600" cy="1345500"/>
           </a:xfrm>
           <a:prstGeom prst="rect">
@@ -10663,19 +10178,6 @@
           </a:bodyPr>
           <a:lstStyle/>
           <a:p>
-            <a:pPr marL="457200" lvl="0" indent="-342900" algn="l" rtl="0">
-              <a:lnSpc>
-                <a:spcPct val="115000"/>
-              </a:lnSpc>
-              <a:spcBef>
-                <a:spcPts val="0"/>
-              </a:spcBef>
-              <a:spcAft>
-                <a:spcPts val="0"/>
-              </a:spcAft>
-              <a:buSzPts val="1800"/>
-              <a:buChar char="●"/>
-            </a:pPr>
             <a:r>
               <a:rPr lang="en" dirty="0"/>
               <a:t>논리연산자는 and, or, not 이 있습니다.  </a:t>
@@ -10683,19 +10185,6 @@
             <a:endParaRPr dirty="0"/>
           </a:p>
           <a:p>
-            <a:pPr marL="457200" lvl="0" indent="-342900" algn="l" rtl="0">
-              <a:lnSpc>
-                <a:spcPct val="115000"/>
-              </a:lnSpc>
-              <a:spcBef>
-                <a:spcPts val="0"/>
-              </a:spcBef>
-              <a:spcAft>
-                <a:spcPts val="0"/>
-              </a:spcAft>
-              <a:buSzPts val="1800"/>
-              <a:buChar char="●"/>
-            </a:pPr>
             <a:r>
               <a:rPr lang="en" dirty="0"/>
               <a:t>결과값은 True 또는 False입니다.  </a:t>
@@ -10703,17 +10192,13 @@
             <a:endParaRPr dirty="0"/>
           </a:p>
           <a:p>
-            <a:pPr marL="0" lvl="0" indent="0" algn="l" rtl="0">
-              <a:lnSpc>
-                <a:spcPct val="115000"/>
-              </a:lnSpc>
+            <a:pPr marL="0" indent="0">
               <a:spcBef>
                 <a:spcPts val="1200"/>
               </a:spcBef>
               <a:spcAft>
                 <a:spcPts val="1200"/>
               </a:spcAft>
-              <a:buSzPts val="1800"/>
               <a:buNone/>
             </a:pPr>
             <a:endParaRPr dirty="0"/>
@@ -10735,7 +10220,7 @@
         </p:blipFill>
         <p:spPr>
           <a:xfrm>
-            <a:off x="1431350" y="2487731"/>
+            <a:off x="2955350" y="2487731"/>
             <a:ext cx="6128820" cy="3671070"/>
           </a:xfrm>
           <a:prstGeom prst="rect">
@@ -10755,7 +10240,7 @@
         </p:nvSpPr>
         <p:spPr>
           <a:xfrm>
-            <a:off x="5435525" y="489850"/>
+            <a:off x="6959525" y="489850"/>
             <a:ext cx="2562300" cy="1046700"/>
           </a:xfrm>
           <a:prstGeom prst="rect">
@@ -10772,15 +10257,6 @@
           </a:bodyPr>
           <a:lstStyle/>
           <a:p>
-            <a:pPr marL="0" lvl="0" indent="0" algn="l" rtl="0">
-              <a:spcBef>
-                <a:spcPts val="0"/>
-              </a:spcBef>
-              <a:spcAft>
-                <a:spcPts val="0"/>
-              </a:spcAft>
-              <a:buNone/>
-            </a:pPr>
             <a:r>
               <a:rPr lang="en"/>
               <a:t>T XOR T  = F</a:t>
@@ -10788,15 +10264,6 @@
             <a:endParaRPr/>
           </a:p>
           <a:p>
-            <a:pPr marL="0" lvl="0" indent="0" algn="l" rtl="0">
-              <a:spcBef>
-                <a:spcPts val="0"/>
-              </a:spcBef>
-              <a:spcAft>
-                <a:spcPts val="0"/>
-              </a:spcAft>
-              <a:buNone/>
-            </a:pPr>
             <a:r>
               <a:rPr lang="en"/>
               <a:t>T XOR F =  T</a:t>
@@ -10804,15 +10271,6 @@
             <a:endParaRPr/>
           </a:p>
           <a:p>
-            <a:pPr marL="0" lvl="0" indent="0" algn="l" rtl="0">
-              <a:spcBef>
-                <a:spcPts val="0"/>
-              </a:spcBef>
-              <a:spcAft>
-                <a:spcPts val="0"/>
-              </a:spcAft>
-              <a:buNone/>
-            </a:pPr>
             <a:r>
               <a:rPr lang="en"/>
               <a:t>F XOR T = T </a:t>
@@ -10820,15 +10278,6 @@
             <a:endParaRPr/>
           </a:p>
           <a:p>
-            <a:pPr marL="0" lvl="0" indent="0" algn="l" rtl="0">
-              <a:spcBef>
-                <a:spcPts val="0"/>
-              </a:spcBef>
-              <a:spcAft>
-                <a:spcPts val="0"/>
-              </a:spcAft>
-              <a:buNone/>
-            </a:pPr>
             <a:r>
               <a:rPr lang="en"/>
               <a:t>F XOR F = F</a:t>
@@ -10874,7 +10323,7 @@
         </p:nvSpPr>
         <p:spPr>
           <a:xfrm>
-            <a:off x="311700" y="593367"/>
+            <a:off x="1835700" y="593367"/>
             <a:ext cx="8520600" cy="763500"/>
           </a:xfrm>
           <a:prstGeom prst="rect">
@@ -10891,19 +10340,6 @@
           </a:bodyPr>
           <a:lstStyle/>
           <a:p>
-            <a:pPr marL="0" lvl="0" indent="0" algn="l" rtl="0">
-              <a:lnSpc>
-                <a:spcPct val="100000"/>
-              </a:lnSpc>
-              <a:spcBef>
-                <a:spcPts val="0"/>
-              </a:spcBef>
-              <a:spcAft>
-                <a:spcPts val="0"/>
-              </a:spcAft>
-              <a:buSzPts val="2800"/>
-              <a:buNone/>
-            </a:pPr>
             <a:r>
               <a:rPr lang="en"/>
               <a:t>연산자 실제 적용: 윤년계산 </a:t>
@@ -10924,7 +10360,7 @@
         </p:nvSpPr>
         <p:spPr>
           <a:xfrm>
-            <a:off x="311700" y="1536633"/>
+            <a:off x="1835700" y="1536633"/>
             <a:ext cx="8520600" cy="4555200"/>
           </a:xfrm>
           <a:prstGeom prst="rect">
@@ -10941,19 +10377,6 @@
           </a:bodyPr>
           <a:lstStyle/>
           <a:p>
-            <a:pPr marL="457200" lvl="0" indent="-342900" algn="l" rtl="0">
-              <a:lnSpc>
-                <a:spcPct val="115000"/>
-              </a:lnSpc>
-              <a:spcBef>
-                <a:spcPts val="0"/>
-              </a:spcBef>
-              <a:spcAft>
-                <a:spcPts val="0"/>
-              </a:spcAft>
-              <a:buSzPts val="1800"/>
-              <a:buChar char="●"/>
-            </a:pPr>
             <a:r>
               <a:rPr lang="en"/>
               <a:t>율리우스력의 윤년 계산은 다음 두가지 조건을 모두 만족해야 함 </a:t>
@@ -10961,19 +10384,7 @@
             <a:endParaRPr/>
           </a:p>
           <a:p>
-            <a:pPr marL="914400" lvl="1" indent="-317500" algn="l" rtl="0">
-              <a:lnSpc>
-                <a:spcPct val="115000"/>
-              </a:lnSpc>
-              <a:spcBef>
-                <a:spcPts val="0"/>
-              </a:spcBef>
-              <a:spcAft>
-                <a:spcPts val="0"/>
-              </a:spcAft>
-              <a:buSzPts val="1400"/>
-              <a:buChar char="○"/>
-            </a:pPr>
+            <a:pPr lvl="1"/>
             <a:r>
               <a:rPr lang="en"/>
               <a:t>연도를 4로 나머지연산(%, 모듈로 연산)을 했을 때, 결과 값이 0이어야 함</a:t>
@@ -10981,19 +10392,7 @@
             <a:endParaRPr/>
           </a:p>
           <a:p>
-            <a:pPr marL="914400" lvl="1" indent="-317500" algn="l" rtl="0">
-              <a:lnSpc>
-                <a:spcPct val="115000"/>
-              </a:lnSpc>
-              <a:spcBef>
-                <a:spcPts val="0"/>
-              </a:spcBef>
-              <a:spcAft>
-                <a:spcPts val="0"/>
-              </a:spcAft>
-              <a:buSzPts val="1400"/>
-              <a:buChar char="○"/>
-            </a:pPr>
+            <a:pPr lvl="1"/>
             <a:r>
               <a:rPr lang="en"/>
               <a:t>연도를 100으로 나머지연산(%, 모듈로 연산)을 했을 때, 결과 값이 0이 아니어야 함  </a:t>
@@ -11001,33 +10400,19 @@
             <a:endParaRPr/>
           </a:p>
           <a:p>
-            <a:pPr marL="457200" lvl="0" indent="0" algn="l" rtl="0">
-              <a:lnSpc>
-                <a:spcPct val="115000"/>
-              </a:lnSpc>
+            <a:pPr indent="0">
               <a:spcBef>
                 <a:spcPts val="1200"/>
               </a:spcBef>
-              <a:spcAft>
-                <a:spcPts val="0"/>
-              </a:spcAft>
-              <a:buSzPts val="1800"/>
               <a:buNone/>
             </a:pPr>
             <a:endParaRPr/>
           </a:p>
           <a:p>
-            <a:pPr marL="0" lvl="0" indent="0" algn="l" rtl="0">
-              <a:lnSpc>
-                <a:spcPct val="115000"/>
-              </a:lnSpc>
+            <a:pPr marL="0" indent="0">
               <a:spcBef>
                 <a:spcPts val="1200"/>
               </a:spcBef>
-              <a:spcAft>
-                <a:spcPts val="0"/>
-              </a:spcAft>
-              <a:buSzPts val="1800"/>
               <a:buNone/>
             </a:pPr>
             <a:r>
@@ -11037,17 +10422,10 @@
             <a:endParaRPr/>
           </a:p>
           <a:p>
-            <a:pPr marL="0" lvl="0" indent="0" algn="l" rtl="0">
-              <a:lnSpc>
-                <a:spcPct val="115000"/>
-              </a:lnSpc>
+            <a:pPr marL="0" indent="0">
               <a:spcBef>
                 <a:spcPts val="1200"/>
               </a:spcBef>
-              <a:spcAft>
-                <a:spcPts val="0"/>
-              </a:spcAft>
-              <a:buSzPts val="1800"/>
               <a:buNone/>
             </a:pPr>
             <a:r>
@@ -11057,17 +10435,10 @@
             <a:endParaRPr/>
           </a:p>
           <a:p>
-            <a:pPr marL="0" lvl="0" indent="0" algn="l" rtl="0">
-              <a:lnSpc>
-                <a:spcPct val="115000"/>
-              </a:lnSpc>
+            <a:pPr marL="0" indent="0">
               <a:spcBef>
                 <a:spcPts val="1200"/>
               </a:spcBef>
-              <a:spcAft>
-                <a:spcPts val="0"/>
-              </a:spcAft>
-              <a:buSzPts val="1800"/>
               <a:buNone/>
             </a:pPr>
             <a:r>
@@ -11077,17 +10448,10 @@
             <a:endParaRPr/>
           </a:p>
           <a:p>
-            <a:pPr marL="0" lvl="0" indent="0" algn="l" rtl="0">
-              <a:lnSpc>
-                <a:spcPct val="115000"/>
-              </a:lnSpc>
+            <a:pPr marL="0" indent="0">
               <a:spcBef>
                 <a:spcPts val="1200"/>
               </a:spcBef>
-              <a:spcAft>
-                <a:spcPts val="0"/>
-              </a:spcAft>
-              <a:buSzPts val="1800"/>
               <a:buNone/>
             </a:pPr>
             <a:r>
@@ -11097,17 +10461,13 @@
             <a:endParaRPr/>
           </a:p>
           <a:p>
-            <a:pPr marL="0" lvl="0" indent="0" algn="l" rtl="0">
-              <a:lnSpc>
-                <a:spcPct val="115000"/>
-              </a:lnSpc>
+            <a:pPr marL="0" indent="0">
               <a:spcBef>
                 <a:spcPts val="1200"/>
               </a:spcBef>
               <a:spcAft>
                 <a:spcPts val="1200"/>
               </a:spcAft>
-              <a:buSzPts val="1800"/>
               <a:buNone/>
             </a:pPr>
             <a:r>
